--- a/Presentación/Grupo4_PF.pptx
+++ b/Presentación/Grupo4_PF.pptx
@@ -7,6 +7,10 @@
   <p:sldIdLst>
     <p:sldId id="256" r:id="rId2"/>
     <p:sldId id="257" r:id="rId3"/>
+    <p:sldId id="258" r:id="rId4"/>
+    <p:sldId id="259" r:id="rId5"/>
+    <p:sldId id="260" r:id="rId6"/>
+    <p:sldId id="261" r:id="rId7"/>
   </p:sldIdLst>
   <p:sldSz cx="12192000" cy="6858000"/>
   <p:notesSz cx="6858000" cy="9144000"/>
@@ -3117,31 +3121,148 @@
             <p:ph type="title"/>
           </p:nvPr>
         </p:nvSpPr>
-        <p:spPr/>
-        <p:txBody>
-          <a:bodyPr/>
-          <a:lstStyle/>
-          <a:p>
-            <a:endParaRPr lang="es-AR"/>
-          </a:p>
-        </p:txBody>
-      </p:sp>
-      <p:sp>
-        <p:nvSpPr>
-          <p:cNvPr id="3" name="Marcador de contenido 2"/>
-          <p:cNvSpPr>
-            <a:spLocks noGrp="1"/>
-          </p:cNvSpPr>
-          <p:nvPr>
-            <p:ph idx="1"/>
-          </p:nvPr>
-        </p:nvSpPr>
-        <p:spPr/>
-        <p:txBody>
-          <a:bodyPr/>
-          <a:lstStyle/>
-          <a:p>
-            <a:endParaRPr lang="es-AR"/>
+        <p:spPr>
+          <a:xfrm>
+            <a:off x="5303108" y="4756655"/>
+            <a:ext cx="5051854" cy="788103"/>
+          </a:xfrm>
+        </p:spPr>
+        <p:txBody>
+          <a:bodyPr>
+            <a:normAutofit/>
+          </a:bodyPr>
+          <a:lstStyle/>
+          <a:p>
+            <a:r>
+              <a:rPr lang="es-ES" sz="3200" dirty="0" smtClean="0">
+                <a:latin typeface="AcmeFont" pitchFamily="2" charset="0"/>
+              </a:rPr>
+              <a:t>MODULO GPS NEO 6M</a:t>
+            </a:r>
+            <a:endParaRPr lang="es-AR" sz="3200" dirty="0">
+              <a:latin typeface="AcmeFont" pitchFamily="2" charset="0"/>
+            </a:endParaRPr>
+          </a:p>
+        </p:txBody>
+      </p:sp>
+      <p:pic>
+        <p:nvPicPr>
+          <p:cNvPr id="4" name="image1.png"/>
+          <p:cNvPicPr/>
+          <p:nvPr/>
+        </p:nvPicPr>
+        <p:blipFill>
+          <a:blip r:embed="rId2" cstate="print"/>
+          <a:stretch>
+            <a:fillRect/>
+          </a:stretch>
+        </p:blipFill>
+        <p:spPr>
+          <a:xfrm>
+            <a:off x="599757" y="496604"/>
+            <a:ext cx="3626254" cy="1595807"/>
+          </a:xfrm>
+          <a:prstGeom prst="rect">
+            <a:avLst/>
+          </a:prstGeom>
+        </p:spPr>
+      </p:pic>
+      <p:pic>
+        <p:nvPicPr>
+          <p:cNvPr id="5" name="image2.png"/>
+          <p:cNvPicPr/>
+          <p:nvPr/>
+        </p:nvPicPr>
+        <p:blipFill>
+          <a:blip r:embed="rId3" cstate="print"/>
+          <a:stretch>
+            <a:fillRect/>
+          </a:stretch>
+        </p:blipFill>
+        <p:spPr>
+          <a:xfrm>
+            <a:off x="6678277" y="414225"/>
+            <a:ext cx="4335713" cy="1908846"/>
+          </a:xfrm>
+          <a:prstGeom prst="rect">
+            <a:avLst/>
+          </a:prstGeom>
+        </p:spPr>
+      </p:pic>
+      <p:pic>
+        <p:nvPicPr>
+          <p:cNvPr id="6" name="Imagen 5"/>
+          <p:cNvPicPr>
+            <a:picLocks noChangeAspect="1"/>
+          </p:cNvPicPr>
+          <p:nvPr/>
+        </p:nvPicPr>
+        <p:blipFill>
+          <a:blip r:embed="rId4"/>
+          <a:stretch>
+            <a:fillRect/>
+          </a:stretch>
+        </p:blipFill>
+        <p:spPr>
+          <a:xfrm>
+            <a:off x="1051727" y="3636021"/>
+            <a:ext cx="3877216" cy="3029373"/>
+          </a:xfrm>
+          <a:prstGeom prst="rect">
+            <a:avLst/>
+          </a:prstGeom>
+        </p:spPr>
+      </p:pic>
+      <p:sp>
+        <p:nvSpPr>
+          <p:cNvPr id="7" name="Título 1"/>
+          <p:cNvSpPr txBox="1">
+            <a:spLocks/>
+          </p:cNvSpPr>
+          <p:nvPr/>
+        </p:nvSpPr>
+        <p:spPr>
+          <a:xfrm>
+            <a:off x="3519616" y="2857140"/>
+            <a:ext cx="5051854" cy="788103"/>
+          </a:xfrm>
+          <a:prstGeom prst="rect">
+            <a:avLst/>
+          </a:prstGeom>
+        </p:spPr>
+        <p:txBody>
+          <a:bodyPr vert="horz" lIns="91440" tIns="45720" rIns="91440" bIns="45720" rtlCol="0" anchor="ctr">
+            <a:normAutofit/>
+          </a:bodyPr>
+          <a:lstStyle>
+            <a:lvl1pPr algn="l" defTabSz="914400" rtl="0" eaLnBrk="1" latinLnBrk="0" hangingPunct="1">
+              <a:lnSpc>
+                <a:spcPct val="90000"/>
+              </a:lnSpc>
+              <a:spcBef>
+                <a:spcPct val="0"/>
+              </a:spcBef>
+              <a:buNone/>
+              <a:defRPr sz="4400" kern="1200">
+                <a:solidFill>
+                  <a:schemeClr val="tx1"/>
+                </a:solidFill>
+                <a:latin typeface="+mj-lt"/>
+                <a:ea typeface="+mj-ea"/>
+                <a:cs typeface="+mj-cs"/>
+              </a:defRPr>
+            </a:lvl1pPr>
+          </a:lstStyle>
+          <a:p>
+            <a:r>
+              <a:rPr lang="es-ES" sz="3200" smtClean="0">
+                <a:latin typeface="AcmeFont" pitchFamily="2" charset="0"/>
+              </a:rPr>
+              <a:t>HARDWARE UTILIZADO:</a:t>
+            </a:r>
+            <a:endParaRPr lang="es-AR" sz="3200" dirty="0">
+              <a:latin typeface="AcmeFont" pitchFamily="2" charset="0"/>
+            </a:endParaRPr>
           </a:p>
         </p:txBody>
       </p:sp>
@@ -3149,6 +3270,530 @@
     <p:extLst>
       <p:ext uri="{BB962C8B-B14F-4D97-AF65-F5344CB8AC3E}">
         <p14:creationId xmlns:p14="http://schemas.microsoft.com/office/powerpoint/2010/main" val="1387771367"/>
+      </p:ext>
+    </p:extLst>
+  </p:cSld>
+  <p:clrMapOvr>
+    <a:masterClrMapping/>
+  </p:clrMapOvr>
+</p:sld>
+</file>
+
+<file path=ppt/slides/slide3.xml><?xml version="1.0" encoding="utf-8"?>
+<p:sld xmlns:a="http://schemas.openxmlformats.org/drawingml/2006/main" xmlns:r="http://schemas.openxmlformats.org/officeDocument/2006/relationships" xmlns:p="http://schemas.openxmlformats.org/presentationml/2006/main">
+  <p:cSld>
+    <p:spTree>
+      <p:nvGrpSpPr>
+        <p:cNvPr id="1" name=""/>
+        <p:cNvGrpSpPr/>
+        <p:nvPr/>
+      </p:nvGrpSpPr>
+      <p:grpSpPr>
+        <a:xfrm>
+          <a:off x="0" y="0"/>
+          <a:ext cx="0" cy="0"/>
+          <a:chOff x="0" y="0"/>
+          <a:chExt cx="0" cy="0"/>
+        </a:xfrm>
+      </p:grpSpPr>
+      <p:sp>
+        <p:nvSpPr>
+          <p:cNvPr id="2" name="Título 1"/>
+          <p:cNvSpPr>
+            <a:spLocks noGrp="1"/>
+          </p:cNvSpPr>
+          <p:nvPr>
+            <p:ph type="title"/>
+          </p:nvPr>
+        </p:nvSpPr>
+        <p:spPr>
+          <a:xfrm>
+            <a:off x="4967416" y="3371937"/>
+            <a:ext cx="6112476" cy="1325563"/>
+          </a:xfrm>
+        </p:spPr>
+        <p:txBody>
+          <a:bodyPr/>
+          <a:lstStyle/>
+          <a:p>
+            <a:r>
+              <a:rPr lang="es-ES" dirty="0" smtClean="0">
+                <a:latin typeface="AcmeFont" pitchFamily="2" charset="0"/>
+              </a:rPr>
+              <a:t>Pantalla Oled de 0,96”</a:t>
+            </a:r>
+            <a:endParaRPr lang="es-AR" dirty="0">
+              <a:latin typeface="AcmeFont" pitchFamily="2" charset="0"/>
+            </a:endParaRPr>
+          </a:p>
+        </p:txBody>
+      </p:sp>
+      <p:pic>
+        <p:nvPicPr>
+          <p:cNvPr id="4" name="image1.png"/>
+          <p:cNvPicPr/>
+          <p:nvPr/>
+        </p:nvPicPr>
+        <p:blipFill>
+          <a:blip r:embed="rId2" cstate="print"/>
+          <a:stretch>
+            <a:fillRect/>
+          </a:stretch>
+        </p:blipFill>
+        <p:spPr>
+          <a:xfrm>
+            <a:off x="599757" y="496604"/>
+            <a:ext cx="3626254" cy="1595807"/>
+          </a:xfrm>
+          <a:prstGeom prst="rect">
+            <a:avLst/>
+          </a:prstGeom>
+        </p:spPr>
+      </p:pic>
+      <p:pic>
+        <p:nvPicPr>
+          <p:cNvPr id="5" name="image2.png"/>
+          <p:cNvPicPr/>
+          <p:nvPr/>
+        </p:nvPicPr>
+        <p:blipFill>
+          <a:blip r:embed="rId3" cstate="print"/>
+          <a:stretch>
+            <a:fillRect/>
+          </a:stretch>
+        </p:blipFill>
+        <p:spPr>
+          <a:xfrm>
+            <a:off x="6678277" y="414225"/>
+            <a:ext cx="4335713" cy="1908846"/>
+          </a:xfrm>
+          <a:prstGeom prst="rect">
+            <a:avLst/>
+          </a:prstGeom>
+        </p:spPr>
+      </p:pic>
+      <p:pic>
+        <p:nvPicPr>
+          <p:cNvPr id="6" name="Imagen 5"/>
+          <p:cNvPicPr>
+            <a:picLocks noChangeAspect="1"/>
+          </p:cNvPicPr>
+          <p:nvPr/>
+        </p:nvPicPr>
+        <p:blipFill>
+          <a:blip r:embed="rId4"/>
+          <a:stretch>
+            <a:fillRect/>
+          </a:stretch>
+        </p:blipFill>
+        <p:spPr>
+          <a:xfrm>
+            <a:off x="1156950" y="2886421"/>
+            <a:ext cx="2991267" cy="2419688"/>
+          </a:xfrm>
+          <a:prstGeom prst="rect">
+            <a:avLst/>
+          </a:prstGeom>
+        </p:spPr>
+      </p:pic>
+    </p:spTree>
+    <p:extLst>
+      <p:ext uri="{BB962C8B-B14F-4D97-AF65-F5344CB8AC3E}">
+        <p14:creationId xmlns:p14="http://schemas.microsoft.com/office/powerpoint/2010/main" val="353446155"/>
+      </p:ext>
+    </p:extLst>
+  </p:cSld>
+  <p:clrMapOvr>
+    <a:masterClrMapping/>
+  </p:clrMapOvr>
+</p:sld>
+</file>
+
+<file path=ppt/slides/slide4.xml><?xml version="1.0" encoding="utf-8"?>
+<p:sld xmlns:a="http://schemas.openxmlformats.org/drawingml/2006/main" xmlns:r="http://schemas.openxmlformats.org/officeDocument/2006/relationships" xmlns:p="http://schemas.openxmlformats.org/presentationml/2006/main">
+  <p:cSld>
+    <p:spTree>
+      <p:nvGrpSpPr>
+        <p:cNvPr id="1" name=""/>
+        <p:cNvGrpSpPr/>
+        <p:nvPr/>
+      </p:nvGrpSpPr>
+      <p:grpSpPr>
+        <a:xfrm>
+          <a:off x="0" y="0"/>
+          <a:ext cx="0" cy="0"/>
+          <a:chOff x="0" y="0"/>
+          <a:chExt cx="0" cy="0"/>
+        </a:xfrm>
+      </p:grpSpPr>
+      <p:sp>
+        <p:nvSpPr>
+          <p:cNvPr id="4" name="Título 1"/>
+          <p:cNvSpPr txBox="1">
+            <a:spLocks/>
+          </p:cNvSpPr>
+          <p:nvPr/>
+        </p:nvSpPr>
+        <p:spPr>
+          <a:xfrm>
+            <a:off x="4967416" y="3371937"/>
+            <a:ext cx="5782962" cy="1325563"/>
+          </a:xfrm>
+          <a:prstGeom prst="rect">
+            <a:avLst/>
+          </a:prstGeom>
+        </p:spPr>
+        <p:txBody>
+          <a:bodyPr vert="horz" lIns="91440" tIns="45720" rIns="91440" bIns="45720" rtlCol="0" anchor="ctr">
+            <a:normAutofit/>
+          </a:bodyPr>
+          <a:lstStyle>
+            <a:lvl1pPr algn="l" defTabSz="914400" rtl="0" eaLnBrk="1" latinLnBrk="0" hangingPunct="1">
+              <a:lnSpc>
+                <a:spcPct val="90000"/>
+              </a:lnSpc>
+              <a:spcBef>
+                <a:spcPct val="0"/>
+              </a:spcBef>
+              <a:buNone/>
+              <a:defRPr sz="4400" kern="1200">
+                <a:solidFill>
+                  <a:schemeClr val="tx1"/>
+                </a:solidFill>
+                <a:latin typeface="+mj-lt"/>
+                <a:ea typeface="+mj-ea"/>
+                <a:cs typeface="+mj-cs"/>
+              </a:defRPr>
+            </a:lvl1pPr>
+          </a:lstStyle>
+          <a:p>
+            <a:r>
+              <a:rPr lang="es-ES" dirty="0" smtClean="0">
+                <a:latin typeface="AcmeFont" pitchFamily="2" charset="0"/>
+              </a:rPr>
+              <a:t>Modulo GSM Sim 800L</a:t>
+            </a:r>
+            <a:endParaRPr lang="es-AR" dirty="0">
+              <a:latin typeface="AcmeFont" pitchFamily="2" charset="0"/>
+            </a:endParaRPr>
+          </a:p>
+        </p:txBody>
+      </p:sp>
+      <p:pic>
+        <p:nvPicPr>
+          <p:cNvPr id="5" name="image1.png"/>
+          <p:cNvPicPr/>
+          <p:nvPr/>
+        </p:nvPicPr>
+        <p:blipFill>
+          <a:blip r:embed="rId2" cstate="print"/>
+          <a:stretch>
+            <a:fillRect/>
+          </a:stretch>
+        </p:blipFill>
+        <p:spPr>
+          <a:xfrm>
+            <a:off x="599757" y="496604"/>
+            <a:ext cx="3626254" cy="1595807"/>
+          </a:xfrm>
+          <a:prstGeom prst="rect">
+            <a:avLst/>
+          </a:prstGeom>
+        </p:spPr>
+      </p:pic>
+      <p:pic>
+        <p:nvPicPr>
+          <p:cNvPr id="6" name="image2.png"/>
+          <p:cNvPicPr/>
+          <p:nvPr/>
+        </p:nvPicPr>
+        <p:blipFill>
+          <a:blip r:embed="rId3" cstate="print"/>
+          <a:stretch>
+            <a:fillRect/>
+          </a:stretch>
+        </p:blipFill>
+        <p:spPr>
+          <a:xfrm>
+            <a:off x="6678277" y="414225"/>
+            <a:ext cx="4335713" cy="1908846"/>
+          </a:xfrm>
+          <a:prstGeom prst="rect">
+            <a:avLst/>
+          </a:prstGeom>
+        </p:spPr>
+      </p:pic>
+      <p:pic>
+        <p:nvPicPr>
+          <p:cNvPr id="7" name="Imagen 6"/>
+          <p:cNvPicPr>
+            <a:picLocks noChangeAspect="1"/>
+          </p:cNvPicPr>
+          <p:nvPr/>
+        </p:nvPicPr>
+        <p:blipFill>
+          <a:blip r:embed="rId4"/>
+          <a:stretch>
+            <a:fillRect/>
+          </a:stretch>
+        </p:blipFill>
+        <p:spPr>
+          <a:xfrm>
+            <a:off x="862257" y="3070621"/>
+            <a:ext cx="3877216" cy="2314898"/>
+          </a:xfrm>
+          <a:prstGeom prst="rect">
+            <a:avLst/>
+          </a:prstGeom>
+        </p:spPr>
+      </p:pic>
+    </p:spTree>
+    <p:extLst>
+      <p:ext uri="{BB962C8B-B14F-4D97-AF65-F5344CB8AC3E}">
+        <p14:creationId xmlns:p14="http://schemas.microsoft.com/office/powerpoint/2010/main" val="2349743924"/>
+      </p:ext>
+    </p:extLst>
+  </p:cSld>
+  <p:clrMapOvr>
+    <a:masterClrMapping/>
+  </p:clrMapOvr>
+</p:sld>
+</file>
+
+<file path=ppt/slides/slide5.xml><?xml version="1.0" encoding="utf-8"?>
+<p:sld xmlns:a="http://schemas.openxmlformats.org/drawingml/2006/main" xmlns:r="http://schemas.openxmlformats.org/officeDocument/2006/relationships" xmlns:p="http://schemas.openxmlformats.org/presentationml/2006/main">
+  <p:cSld>
+    <p:spTree>
+      <p:nvGrpSpPr>
+        <p:cNvPr id="1" name=""/>
+        <p:cNvGrpSpPr/>
+        <p:nvPr/>
+      </p:nvGrpSpPr>
+      <p:grpSpPr>
+        <a:xfrm>
+          <a:off x="0" y="0"/>
+          <a:ext cx="0" cy="0"/>
+          <a:chOff x="0" y="0"/>
+          <a:chExt cx="0" cy="0"/>
+        </a:xfrm>
+      </p:grpSpPr>
+      <p:sp>
+        <p:nvSpPr>
+          <p:cNvPr id="6" name="Título 1"/>
+          <p:cNvSpPr txBox="1">
+            <a:spLocks/>
+          </p:cNvSpPr>
+          <p:nvPr/>
+        </p:nvSpPr>
+        <p:spPr>
+          <a:xfrm>
+            <a:off x="4967415" y="3371937"/>
+            <a:ext cx="6359611" cy="1325563"/>
+          </a:xfrm>
+          <a:prstGeom prst="rect">
+            <a:avLst/>
+          </a:prstGeom>
+        </p:spPr>
+        <p:txBody>
+          <a:bodyPr vert="horz" lIns="91440" tIns="45720" rIns="91440" bIns="45720" rtlCol="0" anchor="ctr">
+            <a:normAutofit/>
+          </a:bodyPr>
+          <a:lstStyle>
+            <a:lvl1pPr algn="l" defTabSz="914400" rtl="0" eaLnBrk="1" latinLnBrk="0" hangingPunct="1">
+              <a:lnSpc>
+                <a:spcPct val="90000"/>
+              </a:lnSpc>
+              <a:spcBef>
+                <a:spcPct val="0"/>
+              </a:spcBef>
+              <a:buNone/>
+              <a:defRPr sz="4400" kern="1200">
+                <a:solidFill>
+                  <a:schemeClr val="tx1"/>
+                </a:solidFill>
+                <a:latin typeface="+mj-lt"/>
+                <a:ea typeface="+mj-ea"/>
+                <a:cs typeface="+mj-cs"/>
+              </a:defRPr>
+            </a:lvl1pPr>
+          </a:lstStyle>
+          <a:p>
+            <a:r>
+              <a:rPr lang="es-ES" dirty="0" smtClean="0">
+                <a:latin typeface="AcmeFont" pitchFamily="2" charset="0"/>
+              </a:rPr>
+              <a:t>Regulador de voltaje </a:t>
+            </a:r>
+            <a:r>
+              <a:rPr lang="es-ES" dirty="0" err="1" smtClean="0">
+                <a:latin typeface="AcmeFont" pitchFamily="2" charset="0"/>
+              </a:rPr>
+              <a:t>step</a:t>
+            </a:r>
+            <a:r>
+              <a:rPr lang="es-ES" dirty="0" smtClean="0">
+                <a:latin typeface="AcmeFont" pitchFamily="2" charset="0"/>
+              </a:rPr>
+              <a:t> </a:t>
+            </a:r>
+            <a:r>
+              <a:rPr lang="es-ES" dirty="0" err="1" smtClean="0">
+                <a:latin typeface="AcmeFont" pitchFamily="2" charset="0"/>
+              </a:rPr>
+              <a:t>down</a:t>
+            </a:r>
+            <a:r>
+              <a:rPr lang="es-ES" dirty="0" smtClean="0">
+                <a:latin typeface="AcmeFont" pitchFamily="2" charset="0"/>
+              </a:rPr>
+              <a:t> LM2596S </a:t>
+            </a:r>
+            <a:endParaRPr lang="es-AR" dirty="0">
+              <a:latin typeface="AcmeFont" pitchFamily="2" charset="0"/>
+            </a:endParaRPr>
+          </a:p>
+        </p:txBody>
+      </p:sp>
+      <p:pic>
+        <p:nvPicPr>
+          <p:cNvPr id="7" name="image1.png"/>
+          <p:cNvPicPr/>
+          <p:nvPr/>
+        </p:nvPicPr>
+        <p:blipFill>
+          <a:blip r:embed="rId2" cstate="print"/>
+          <a:stretch>
+            <a:fillRect/>
+          </a:stretch>
+        </p:blipFill>
+        <p:spPr>
+          <a:xfrm>
+            <a:off x="599757" y="496604"/>
+            <a:ext cx="3626254" cy="1595807"/>
+          </a:xfrm>
+          <a:prstGeom prst="rect">
+            <a:avLst/>
+          </a:prstGeom>
+        </p:spPr>
+      </p:pic>
+      <p:pic>
+        <p:nvPicPr>
+          <p:cNvPr id="8" name="image2.png"/>
+          <p:cNvPicPr/>
+          <p:nvPr/>
+        </p:nvPicPr>
+        <p:blipFill>
+          <a:blip r:embed="rId3" cstate="print"/>
+          <a:stretch>
+            <a:fillRect/>
+          </a:stretch>
+        </p:blipFill>
+        <p:spPr>
+          <a:xfrm>
+            <a:off x="6678277" y="414225"/>
+            <a:ext cx="4335713" cy="1908846"/>
+          </a:xfrm>
+          <a:prstGeom prst="rect">
+            <a:avLst/>
+          </a:prstGeom>
+        </p:spPr>
+      </p:pic>
+      <p:pic>
+        <p:nvPicPr>
+          <p:cNvPr id="9" name="Imagen 8"/>
+          <p:cNvPicPr>
+            <a:picLocks noChangeAspect="1"/>
+          </p:cNvPicPr>
+          <p:nvPr/>
+        </p:nvPicPr>
+        <p:blipFill>
+          <a:blip r:embed="rId4"/>
+          <a:stretch>
+            <a:fillRect/>
+          </a:stretch>
+        </p:blipFill>
+        <p:spPr>
+          <a:xfrm>
+            <a:off x="831491" y="3226590"/>
+            <a:ext cx="3905795" cy="2810267"/>
+          </a:xfrm>
+          <a:prstGeom prst="rect">
+            <a:avLst/>
+          </a:prstGeom>
+        </p:spPr>
+      </p:pic>
+    </p:spTree>
+    <p:extLst>
+      <p:ext uri="{BB962C8B-B14F-4D97-AF65-F5344CB8AC3E}">
+        <p14:creationId xmlns:p14="http://schemas.microsoft.com/office/powerpoint/2010/main" val="2068706687"/>
+      </p:ext>
+    </p:extLst>
+  </p:cSld>
+  <p:clrMapOvr>
+    <a:masterClrMapping/>
+  </p:clrMapOvr>
+</p:sld>
+</file>
+
+<file path=ppt/slides/slide6.xml><?xml version="1.0" encoding="utf-8"?>
+<p:sld xmlns:a="http://schemas.openxmlformats.org/drawingml/2006/main" xmlns:r="http://schemas.openxmlformats.org/officeDocument/2006/relationships" xmlns:p="http://schemas.openxmlformats.org/presentationml/2006/main">
+  <p:cSld>
+    <p:spTree>
+      <p:nvGrpSpPr>
+        <p:cNvPr id="1" name=""/>
+        <p:cNvGrpSpPr/>
+        <p:nvPr/>
+      </p:nvGrpSpPr>
+      <p:grpSpPr>
+        <a:xfrm>
+          <a:off x="0" y="0"/>
+          <a:ext cx="0" cy="0"/>
+          <a:chOff x="0" y="0"/>
+          <a:chExt cx="0" cy="0"/>
+        </a:xfrm>
+      </p:grpSpPr>
+      <p:sp>
+        <p:nvSpPr>
+          <p:cNvPr id="2" name="Título 1"/>
+          <p:cNvSpPr>
+            <a:spLocks noGrp="1"/>
+          </p:cNvSpPr>
+          <p:nvPr>
+            <p:ph type="title"/>
+          </p:nvPr>
+        </p:nvSpPr>
+        <p:spPr/>
+        <p:txBody>
+          <a:bodyPr/>
+          <a:lstStyle/>
+          <a:p>
+            <a:endParaRPr lang="es-AR"/>
+          </a:p>
+        </p:txBody>
+      </p:sp>
+      <p:sp>
+        <p:nvSpPr>
+          <p:cNvPr id="3" name="Marcador de contenido 2"/>
+          <p:cNvSpPr>
+            <a:spLocks noGrp="1"/>
+          </p:cNvSpPr>
+          <p:nvPr>
+            <p:ph idx="1"/>
+          </p:nvPr>
+        </p:nvSpPr>
+        <p:spPr/>
+        <p:txBody>
+          <a:bodyPr/>
+          <a:lstStyle/>
+          <a:p>
+            <a:endParaRPr lang="es-AR"/>
+          </a:p>
+        </p:txBody>
+      </p:sp>
+    </p:spTree>
+    <p:extLst>
+      <p:ext uri="{BB962C8B-B14F-4D97-AF65-F5344CB8AC3E}">
+        <p14:creationId xmlns:p14="http://schemas.microsoft.com/office/powerpoint/2010/main" val="3078662002"/>
       </p:ext>
     </p:extLst>
   </p:cSld>
